--- a/ReportKDSH.pptx
+++ b/ReportKDSH.pptx
@@ -2484,7 +2484,7 @@
           <a:p>
             <a:fld id="{3C04E684-10F4-4CC3-A0B9-F03AA7BE37CF}" type="datetimeFigureOut">
               <a:rPr lang="en-US" smtClean="0"/>
-              <a:t>20-Jan-24</a:t>
+              <a:t>21-Jan-24</a:t>
             </a:fld>
             <a:endParaRPr lang="en-US"/>
           </a:p>
@@ -4974,7 +4974,7 @@
           <a:p>
             <a:fld id="{3C04E684-10F4-4CC3-A0B9-F03AA7BE37CF}" type="datetimeFigureOut">
               <a:rPr lang="en-US" smtClean="0"/>
-              <a:t>20-Jan-24</a:t>
+              <a:t>21-Jan-24</a:t>
             </a:fld>
             <a:endParaRPr lang="en-US"/>
           </a:p>
@@ -5172,7 +5172,7 @@
           <a:p>
             <a:fld id="{3C04E684-10F4-4CC3-A0B9-F03AA7BE37CF}" type="datetimeFigureOut">
               <a:rPr lang="en-US" smtClean="0"/>
-              <a:t>20-Jan-24</a:t>
+              <a:t>21-Jan-24</a:t>
             </a:fld>
             <a:endParaRPr lang="en-US"/>
           </a:p>
@@ -5380,7 +5380,7 @@
           <a:p>
             <a:fld id="{3C04E684-10F4-4CC3-A0B9-F03AA7BE37CF}" type="datetimeFigureOut">
               <a:rPr lang="en-US" smtClean="0"/>
-              <a:t>20-Jan-24</a:t>
+              <a:t>21-Jan-24</a:t>
             </a:fld>
             <a:endParaRPr lang="en-US"/>
           </a:p>
@@ -6117,7 +6117,7 @@
           <a:p>
             <a:fld id="{3C04E684-10F4-4CC3-A0B9-F03AA7BE37CF}" type="datetimeFigureOut">
               <a:rPr lang="en-US" smtClean="0"/>
-              <a:t>20-Jan-24</a:t>
+              <a:t>21-Jan-24</a:t>
             </a:fld>
             <a:endParaRPr lang="en-US"/>
           </a:p>
@@ -6759,7 +6759,7 @@
           <a:p>
             <a:fld id="{3C04E684-10F4-4CC3-A0B9-F03AA7BE37CF}" type="datetimeFigureOut">
               <a:rPr lang="en-US" smtClean="0"/>
-              <a:t>20-Jan-24</a:t>
+              <a:t>21-Jan-24</a:t>
             </a:fld>
             <a:endParaRPr lang="en-US"/>
           </a:p>
@@ -7559,7 +7559,7 @@
           <a:p>
             <a:fld id="{3C04E684-10F4-4CC3-A0B9-F03AA7BE37CF}" type="datetimeFigureOut">
               <a:rPr lang="en-US" smtClean="0"/>
-              <a:t>20-Jan-24</a:t>
+              <a:t>21-Jan-24</a:t>
             </a:fld>
             <a:endParaRPr lang="en-US"/>
           </a:p>
@@ -8510,7 +8510,7 @@
           <a:p>
             <a:fld id="{3C04E684-10F4-4CC3-A0B9-F03AA7BE37CF}" type="datetimeFigureOut">
               <a:rPr lang="en-US" smtClean="0"/>
-              <a:t>20-Jan-24</a:t>
+              <a:t>21-Jan-24</a:t>
             </a:fld>
             <a:endParaRPr lang="en-US"/>
           </a:p>
@@ -10859,7 +10859,7 @@
           <a:p>
             <a:fld id="{3C04E684-10F4-4CC3-A0B9-F03AA7BE37CF}" type="datetimeFigureOut">
               <a:rPr lang="en-US" smtClean="0"/>
-              <a:t>20-Jan-24</a:t>
+              <a:t>21-Jan-24</a:t>
             </a:fld>
             <a:endParaRPr lang="en-US"/>
           </a:p>
@@ -10972,7 +10972,7 @@
           <a:p>
             <a:fld id="{3C04E684-10F4-4CC3-A0B9-F03AA7BE37CF}" type="datetimeFigureOut">
               <a:rPr lang="en-US" smtClean="0"/>
-              <a:t>20-Jan-24</a:t>
+              <a:t>21-Jan-24</a:t>
             </a:fld>
             <a:endParaRPr lang="en-US"/>
           </a:p>
@@ -11479,7 +11479,7 @@
           <a:p>
             <a:fld id="{3C04E684-10F4-4CC3-A0B9-F03AA7BE37CF}" type="datetimeFigureOut">
               <a:rPr lang="en-US" smtClean="0"/>
-              <a:t>20-Jan-24</a:t>
+              <a:t>21-Jan-24</a:t>
             </a:fld>
             <a:endParaRPr lang="en-US"/>
           </a:p>
@@ -12782,7 +12782,7 @@
           <a:p>
             <a:fld id="{3C04E684-10F4-4CC3-A0B9-F03AA7BE37CF}" type="datetimeFigureOut">
               <a:rPr lang="en-US" smtClean="0"/>
-              <a:t>20-Jan-24</a:t>
+              <a:t>21-Jan-24</a:t>
             </a:fld>
             <a:endParaRPr lang="en-US"/>
           </a:p>
@@ -13029,7 +13029,7 @@
           <a:p>
             <a:fld id="{3C04E684-10F4-4CC3-A0B9-F03AA7BE37CF}" type="datetimeFigureOut">
               <a:rPr lang="en-US" smtClean="0"/>
-              <a:t>20-Jan-24</a:t>
+              <a:t>21-Jan-24</a:t>
             </a:fld>
             <a:endParaRPr lang="en-US"/>
           </a:p>
@@ -23081,10 +23081,10 @@
       </p:sp>
       <p:pic>
         <p:nvPicPr>
-          <p:cNvPr id="4" name="Picture 3" descr="A graph of a line&#10;&#10;Description automatically generated">
+          <p:cNvPr id="6" name="Picture 5">
             <a:extLst>
               <a:ext uri="{FF2B5EF4-FFF2-40B4-BE49-F238E27FC236}">
-                <a16:creationId xmlns:a16="http://schemas.microsoft.com/office/drawing/2014/main" id="{C7543C5E-D790-B24C-188C-0D6EAC8E02E0}"/>
+                <a16:creationId xmlns:a16="http://schemas.microsoft.com/office/drawing/2014/main" id="{61AD5716-B0C8-25DE-FEB0-B4B35C625230}"/>
               </a:ext>
             </a:extLst>
           </p:cNvPr>
@@ -23101,8 +23101,8 @@
         </p:blipFill>
         <p:spPr>
           <a:xfrm>
-            <a:off x="6398509" y="2685274"/>
-            <a:ext cx="4854455" cy="2577296"/>
+            <a:off x="6094476" y="2558703"/>
+            <a:ext cx="5675013" cy="3073180"/>
           </a:xfrm>
           <a:prstGeom prst="rect">
             <a:avLst/>
@@ -23734,66 +23734,6 @@
           </a:p>
         </p:txBody>
       </p:sp>
-      <p:pic>
-        <p:nvPicPr>
-          <p:cNvPr id="5" name="Picture 4" descr="A graph with numbers and lines&#10;&#10;Description automatically generated">
-            <a:extLst>
-              <a:ext uri="{FF2B5EF4-FFF2-40B4-BE49-F238E27FC236}">
-                <a16:creationId xmlns:a16="http://schemas.microsoft.com/office/drawing/2014/main" id="{E56E99CB-7545-F902-89F3-6C0F32824DA1}"/>
-              </a:ext>
-            </a:extLst>
-          </p:cNvPr>
-          <p:cNvPicPr>
-            <a:picLocks noChangeAspect="1"/>
-          </p:cNvPicPr>
-          <p:nvPr/>
-        </p:nvPicPr>
-        <p:blipFill>
-          <a:blip r:embed="rId2"/>
-          <a:stretch>
-            <a:fillRect/>
-          </a:stretch>
-        </p:blipFill>
-        <p:spPr>
-          <a:xfrm>
-            <a:off x="768034" y="680381"/>
-            <a:ext cx="3594099" cy="2587752"/>
-          </a:xfrm>
-          <a:prstGeom prst="rect">
-            <a:avLst/>
-          </a:prstGeom>
-        </p:spPr>
-      </p:pic>
-      <p:pic>
-        <p:nvPicPr>
-          <p:cNvPr id="4" name="Picture 3" descr="A graph with numbers and lines&#10;&#10;Description automatically generated">
-            <a:extLst>
-              <a:ext uri="{FF2B5EF4-FFF2-40B4-BE49-F238E27FC236}">
-                <a16:creationId xmlns:a16="http://schemas.microsoft.com/office/drawing/2014/main" id="{D92D1C48-CBC7-B961-A5F3-3C87FA0CD007}"/>
-              </a:ext>
-            </a:extLst>
-          </p:cNvPr>
-          <p:cNvPicPr>
-            <a:picLocks noChangeAspect="1"/>
-          </p:cNvPicPr>
-          <p:nvPr/>
-        </p:nvPicPr>
-        <p:blipFill>
-          <a:blip r:embed="rId3"/>
-          <a:stretch>
-            <a:fillRect/>
-          </a:stretch>
-        </p:blipFill>
-        <p:spPr>
-          <a:xfrm>
-            <a:off x="755614" y="3589867"/>
-            <a:ext cx="3618939" cy="2587542"/>
-          </a:xfrm>
-          <a:prstGeom prst="rect">
-            <a:avLst/>
-          </a:prstGeom>
-        </p:spPr>
-      </p:pic>
       <p:sp>
         <p:nvSpPr>
           <p:cNvPr id="3" name="Content Placeholder 2">
@@ -23845,6 +23785,66 @@
           </a:p>
         </p:txBody>
       </p:sp>
+      <p:pic>
+        <p:nvPicPr>
+          <p:cNvPr id="7" name="Picture 6">
+            <a:extLst>
+              <a:ext uri="{FF2B5EF4-FFF2-40B4-BE49-F238E27FC236}">
+                <a16:creationId xmlns:a16="http://schemas.microsoft.com/office/drawing/2014/main" id="{FA72048F-4ACF-923B-2D03-1C168B9621F0}"/>
+              </a:ext>
+            </a:extLst>
+          </p:cNvPr>
+          <p:cNvPicPr>
+            <a:picLocks noChangeAspect="1"/>
+          </p:cNvPicPr>
+          <p:nvPr/>
+        </p:nvPicPr>
+        <p:blipFill>
+          <a:blip r:embed="rId2"/>
+          <a:stretch>
+            <a:fillRect/>
+          </a:stretch>
+        </p:blipFill>
+        <p:spPr>
+          <a:xfrm>
+            <a:off x="480953" y="244740"/>
+            <a:ext cx="4210050" cy="3100388"/>
+          </a:xfrm>
+          <a:prstGeom prst="rect">
+            <a:avLst/>
+          </a:prstGeom>
+        </p:spPr>
+      </p:pic>
+      <p:pic>
+        <p:nvPicPr>
+          <p:cNvPr id="9" name="Picture 8">
+            <a:extLst>
+              <a:ext uri="{FF2B5EF4-FFF2-40B4-BE49-F238E27FC236}">
+                <a16:creationId xmlns:a16="http://schemas.microsoft.com/office/drawing/2014/main" id="{5B687265-E589-7FB8-A39A-DE3531CE5EB8}"/>
+              </a:ext>
+            </a:extLst>
+          </p:cNvPr>
+          <p:cNvPicPr>
+            <a:picLocks noChangeAspect="1"/>
+          </p:cNvPicPr>
+          <p:nvPr/>
+        </p:nvPicPr>
+        <p:blipFill>
+          <a:blip r:embed="rId3"/>
+          <a:stretch>
+            <a:fillRect/>
+          </a:stretch>
+        </p:blipFill>
+        <p:spPr>
+          <a:xfrm>
+            <a:off x="480953" y="3589868"/>
+            <a:ext cx="4210050" cy="3045270"/>
+          </a:xfrm>
+          <a:prstGeom prst="rect">
+            <a:avLst/>
+          </a:prstGeom>
+        </p:spPr>
+      </p:pic>
     </p:spTree>
     <p:extLst>
       <p:ext uri="{BB962C8B-B14F-4D97-AF65-F5344CB8AC3E}">

--- a/ReportKDSH.pptx
+++ b/ReportKDSH.pptx
@@ -23758,17 +23758,80 @@
         </p:spPr>
         <p:txBody>
           <a:bodyPr vert="horz" lIns="91440" tIns="45720" rIns="91440" bIns="45720" rtlCol="0" anchor="t">
-            <a:normAutofit lnSpcReduction="10000"/>
+            <a:normAutofit fontScale="92500" lnSpcReduction="20000"/>
           </a:bodyPr>
           <a:lstStyle/>
           <a:p>
+            <a:pPr marL="228600" indent="-228600" algn="l" rtl="0" eaLnBrk="1" latinLnBrk="0" hangingPunct="1">
+              <a:lnSpc>
+                <a:spcPct val="90000"/>
+              </a:lnSpc>
+              <a:spcBef>
+                <a:spcPts val="1000"/>
+              </a:spcBef>
+              <a:spcAft>
+                <a:spcPts val="0"/>
+              </a:spcAft>
+              <a:buClrTx/>
+              <a:buSzPts val="1700"/>
+              <a:buFont typeface="Arial" panose="020B0604020202020204" pitchFamily="34" charset="0"/>
+              <a:buChar char="•"/>
+            </a:pPr>
             <a:r>
-              <a:rPr lang="en-IN" sz="2400" dirty="0">
-                <a:ea typeface="+mn-lt"/>
-                <a:cs typeface="+mn-lt"/>
+              <a:rPr lang="en-US" sz="1800" kern="1200" dirty="0">
+                <a:solidFill>
+                  <a:srgbClr val="000000"/>
+                </a:solidFill>
+                <a:effectLst/>
+                <a:latin typeface="Century Gothic" panose="020B0502020202020204" pitchFamily="34" charset="0"/>
+                <a:ea typeface="+mn-ea"/>
+                <a:cs typeface="+mn-cs"/>
               </a:rPr>
-              <a:t>Trading Strategy is the same</a:t>
+              <a:t>Buy shares if 39-mins moving average &gt; 72-min moving average</a:t>
             </a:r>
+          </a:p>
+          <a:p>
+            <a:pPr>
+              <a:lnSpc>
+                <a:spcPct val="90000"/>
+              </a:lnSpc>
+              <a:buSzPts val="1700"/>
+            </a:pPr>
+            <a:r>
+              <a:rPr lang="en-US" sz="1800" kern="1200" dirty="0">
+                <a:solidFill>
+                  <a:srgbClr val="000000"/>
+                </a:solidFill>
+                <a:effectLst/>
+                <a:latin typeface="Century Gothic" panose="020B0502020202020204" pitchFamily="34" charset="0"/>
+                <a:ea typeface="+mn-ea"/>
+                <a:cs typeface="+mn-cs"/>
+              </a:rPr>
+              <a:t>Sell shares if 39-min moving average &lt; 72-min moving average</a:t>
+            </a:r>
+            <a:endParaRPr lang="en-US" sz="1800" dirty="0">
+              <a:effectLst/>
+            </a:endParaRPr>
+          </a:p>
+          <a:p>
+            <a:pPr marL="228600" indent="-228600" algn="l" rtl="0" eaLnBrk="1" latinLnBrk="0" hangingPunct="1">
+              <a:lnSpc>
+                <a:spcPct val="90000"/>
+              </a:lnSpc>
+              <a:spcBef>
+                <a:spcPts val="1000"/>
+              </a:spcBef>
+              <a:spcAft>
+                <a:spcPts val="0"/>
+              </a:spcAft>
+              <a:buClrTx/>
+              <a:buSzPts val="1700"/>
+              <a:buFont typeface="Arial" panose="020B0604020202020204" pitchFamily="34" charset="0"/>
+              <a:buChar char="•"/>
+            </a:pPr>
+            <a:endParaRPr lang="en-US" sz="1800" dirty="0">
+              <a:effectLst/>
+            </a:endParaRPr>
           </a:p>
           <a:p>
             <a:r>
